--- a/Architecture.pptx
+++ b/Architecture.pptx
@@ -197,7 +197,7 @@
           <a:p>
             <a:fld id="{702C554E-9287-AC4E-B507-18CFE0BEEDDC}" type="datetimeFigureOut">
               <a:rPr lang="de-DE" smtClean="0"/>
-              <a:t>17.05.22</a:t>
+              <a:t>18.05.22</a:t>
             </a:fld>
             <a:endParaRPr lang="de-DE"/>
           </a:p>
@@ -698,7 +698,7 @@
           <a:p>
             <a:fld id="{8619A3AB-C0EC-3A41-83A9-0EF4E25C4F1F}" type="datetimeFigureOut">
               <a:rPr lang="de-DE" smtClean="0"/>
-              <a:t>17.05.22</a:t>
+              <a:t>18.05.22</a:t>
             </a:fld>
             <a:endParaRPr lang="de-DE"/>
           </a:p>
@@ -898,7 +898,7 @@
           <a:p>
             <a:fld id="{8619A3AB-C0EC-3A41-83A9-0EF4E25C4F1F}" type="datetimeFigureOut">
               <a:rPr lang="de-DE" smtClean="0"/>
-              <a:t>17.05.22</a:t>
+              <a:t>18.05.22</a:t>
             </a:fld>
             <a:endParaRPr lang="de-DE"/>
           </a:p>
@@ -1108,7 +1108,7 @@
           <a:p>
             <a:fld id="{8619A3AB-C0EC-3A41-83A9-0EF4E25C4F1F}" type="datetimeFigureOut">
               <a:rPr lang="de-DE" smtClean="0"/>
-              <a:t>17.05.22</a:t>
+              <a:t>18.05.22</a:t>
             </a:fld>
             <a:endParaRPr lang="de-DE"/>
           </a:p>
@@ -1308,7 +1308,7 @@
           <a:p>
             <a:fld id="{8619A3AB-C0EC-3A41-83A9-0EF4E25C4F1F}" type="datetimeFigureOut">
               <a:rPr lang="de-DE" smtClean="0"/>
-              <a:t>17.05.22</a:t>
+              <a:t>18.05.22</a:t>
             </a:fld>
             <a:endParaRPr lang="de-DE"/>
           </a:p>
@@ -1584,7 +1584,7 @@
           <a:p>
             <a:fld id="{8619A3AB-C0EC-3A41-83A9-0EF4E25C4F1F}" type="datetimeFigureOut">
               <a:rPr lang="de-DE" smtClean="0"/>
-              <a:t>17.05.22</a:t>
+              <a:t>18.05.22</a:t>
             </a:fld>
             <a:endParaRPr lang="de-DE"/>
           </a:p>
@@ -1852,7 +1852,7 @@
           <a:p>
             <a:fld id="{8619A3AB-C0EC-3A41-83A9-0EF4E25C4F1F}" type="datetimeFigureOut">
               <a:rPr lang="de-DE" smtClean="0"/>
-              <a:t>17.05.22</a:t>
+              <a:t>18.05.22</a:t>
             </a:fld>
             <a:endParaRPr lang="de-DE"/>
           </a:p>
@@ -2267,7 +2267,7 @@
           <a:p>
             <a:fld id="{8619A3AB-C0EC-3A41-83A9-0EF4E25C4F1F}" type="datetimeFigureOut">
               <a:rPr lang="de-DE" smtClean="0"/>
-              <a:t>17.05.22</a:t>
+              <a:t>18.05.22</a:t>
             </a:fld>
             <a:endParaRPr lang="de-DE"/>
           </a:p>
@@ -2409,7 +2409,7 @@
           <a:p>
             <a:fld id="{8619A3AB-C0EC-3A41-83A9-0EF4E25C4F1F}" type="datetimeFigureOut">
               <a:rPr lang="de-DE" smtClean="0"/>
-              <a:t>17.05.22</a:t>
+              <a:t>18.05.22</a:t>
             </a:fld>
             <a:endParaRPr lang="de-DE"/>
           </a:p>
@@ -2522,7 +2522,7 @@
           <a:p>
             <a:fld id="{8619A3AB-C0EC-3A41-83A9-0EF4E25C4F1F}" type="datetimeFigureOut">
               <a:rPr lang="de-DE" smtClean="0"/>
-              <a:t>17.05.22</a:t>
+              <a:t>18.05.22</a:t>
             </a:fld>
             <a:endParaRPr lang="de-DE"/>
           </a:p>
@@ -2835,7 +2835,7 @@
           <a:p>
             <a:fld id="{8619A3AB-C0EC-3A41-83A9-0EF4E25C4F1F}" type="datetimeFigureOut">
               <a:rPr lang="de-DE" smtClean="0"/>
-              <a:t>17.05.22</a:t>
+              <a:t>18.05.22</a:t>
             </a:fld>
             <a:endParaRPr lang="de-DE"/>
           </a:p>
@@ -3124,7 +3124,7 @@
           <a:p>
             <a:fld id="{8619A3AB-C0EC-3A41-83A9-0EF4E25C4F1F}" type="datetimeFigureOut">
               <a:rPr lang="de-DE" smtClean="0"/>
-              <a:t>17.05.22</a:t>
+              <a:t>18.05.22</a:t>
             </a:fld>
             <a:endParaRPr lang="de-DE"/>
           </a:p>
@@ -3367,7 +3367,7 @@
           <a:p>
             <a:fld id="{8619A3AB-C0EC-3A41-83A9-0EF4E25C4F1F}" type="datetimeFigureOut">
               <a:rPr lang="de-DE" smtClean="0"/>
-              <a:t>17.05.22</a:t>
+              <a:t>18.05.22</a:t>
             </a:fld>
             <a:endParaRPr lang="de-DE"/>
           </a:p>
@@ -3925,6 +3925,12 @@
           <a:prstGeom prst="rect">
             <a:avLst/>
           </a:prstGeom>
+          <a:solidFill>
+            <a:schemeClr val="accent2">
+              <a:lumMod val="40000"/>
+              <a:lumOff val="60000"/>
+            </a:schemeClr>
+          </a:solidFill>
         </p:spPr>
         <p:style>
           <a:lnRef idx="2">
@@ -3974,6 +3980,9 @@
           <a:prstGeom prst="can">
             <a:avLst/>
           </a:prstGeom>
+          <a:solidFill>
+            <a:schemeClr val="accent2"/>
+          </a:solidFill>
         </p:spPr>
         <p:style>
           <a:lnRef idx="2">
@@ -4142,7 +4151,7 @@
         </p:nvGrpSpPr>
         <p:grpSpPr>
           <a:xfrm>
-            <a:off x="6944009" y="827690"/>
+            <a:off x="6966632" y="1603044"/>
             <a:ext cx="2123090" cy="1404602"/>
             <a:chOff x="7185739" y="827690"/>
             <a:chExt cx="2123090" cy="1404602"/>
@@ -4168,6 +4177,12 @@
             <a:prstGeom prst="rect">
               <a:avLst/>
             </a:prstGeom>
+            <a:solidFill>
+              <a:schemeClr val="accent2"/>
+            </a:solidFill>
+            <a:ln>
+              <a:noFill/>
+            </a:ln>
           </p:spPr>
           <p:style>
             <a:lnRef idx="2">
@@ -4604,7 +4619,7 @@
         </p:nvGrpSpPr>
         <p:grpSpPr>
           <a:xfrm>
-            <a:off x="6967514" y="2726699"/>
+            <a:off x="6967514" y="3114376"/>
             <a:ext cx="2123090" cy="1404602"/>
             <a:chOff x="7209244" y="2726699"/>
             <a:chExt cx="2123090" cy="1404602"/>
@@ -5037,6 +5052,473 @@
             <a:solidFill>
               <a:schemeClr val="bg1"/>
             </a:solidFill>
+            <a:ln w="12700" cap="flat">
+              <a:noFill/>
+              <a:prstDash val="solid"/>
+              <a:miter/>
+            </a:ln>
+          </p:spPr>
+          <p:txBody>
+            <a:bodyPr rtlCol="0" anchor="ctr"/>
+            <a:lstStyle/>
+            <a:p>
+              <a:endParaRPr lang="en-US"/>
+            </a:p>
+          </p:txBody>
+        </p:sp>
+      </p:grpSp>
+      <p:grpSp>
+        <p:nvGrpSpPr>
+          <p:cNvPr id="22" name="Group 21">
+            <a:extLst>
+              <a:ext uri="{FF2B5EF4-FFF2-40B4-BE49-F238E27FC236}">
+                <a16:creationId xmlns:a16="http://schemas.microsoft.com/office/drawing/2014/main" id="{F5278A6D-22E4-A22B-BD2C-BE43F99F6BAA}"/>
+              </a:ext>
+            </a:extLst>
+          </p:cNvPr>
+          <p:cNvGrpSpPr/>
+          <p:nvPr/>
+        </p:nvGrpSpPr>
+        <p:grpSpPr>
+          <a:xfrm>
+            <a:off x="6966632" y="91712"/>
+            <a:ext cx="2123090" cy="1404602"/>
+            <a:chOff x="7185739" y="827690"/>
+            <a:chExt cx="2123090" cy="1404602"/>
+          </a:xfrm>
+          <a:solidFill>
+            <a:schemeClr val="accent2">
+              <a:lumMod val="40000"/>
+              <a:lumOff val="60000"/>
+            </a:schemeClr>
+          </a:solidFill>
+        </p:grpSpPr>
+        <p:sp>
+          <p:nvSpPr>
+            <p:cNvPr id="23" name="Rectangle 22">
+              <a:extLst>
+                <a:ext uri="{FF2B5EF4-FFF2-40B4-BE49-F238E27FC236}">
+                  <a16:creationId xmlns:a16="http://schemas.microsoft.com/office/drawing/2014/main" id="{8DE97539-0BBB-CAEA-0D04-7A0AC9EC48E9}"/>
+                </a:ext>
+              </a:extLst>
+            </p:cNvPr>
+            <p:cNvSpPr/>
+            <p:nvPr/>
+          </p:nvSpPr>
+          <p:spPr>
+            <a:xfrm>
+              <a:off x="7185739" y="827690"/>
+              <a:ext cx="2123090" cy="1404602"/>
+            </a:xfrm>
+            <a:prstGeom prst="rect">
+              <a:avLst/>
+            </a:prstGeom>
+            <a:grpFill/>
+          </p:spPr>
+          <p:style>
+            <a:lnRef idx="2">
+              <a:schemeClr val="accent1">
+                <a:shade val="50000"/>
+              </a:schemeClr>
+            </a:lnRef>
+            <a:fillRef idx="1">
+              <a:schemeClr val="accent1"/>
+            </a:fillRef>
+            <a:effectRef idx="0">
+              <a:schemeClr val="accent1"/>
+            </a:effectRef>
+            <a:fontRef idx="minor">
+              <a:schemeClr val="lt1"/>
+            </a:fontRef>
+          </p:style>
+          <p:txBody>
+            <a:bodyPr rtlCol="0" anchor="ctr"/>
+            <a:lstStyle/>
+            <a:p>
+              <a:pPr algn="ctr"/>
+              <a:r>
+                <a:rPr lang="de-DE" dirty="0"/>
+                <a:t>Industry Benchmark</a:t>
+              </a:r>
+            </a:p>
+          </p:txBody>
+        </p:sp>
+        <p:sp>
+          <p:nvSpPr>
+            <p:cNvPr id="24" name="Graphic 131">
+              <a:extLst>
+                <a:ext uri="{FF2B5EF4-FFF2-40B4-BE49-F238E27FC236}">
+                  <a16:creationId xmlns:a16="http://schemas.microsoft.com/office/drawing/2014/main" id="{3FFAB09D-3FBF-84CE-D7E8-BE5C5E15620C}"/>
+                </a:ext>
+              </a:extLst>
+            </p:cNvPr>
+            <p:cNvSpPr/>
+            <p:nvPr/>
+          </p:nvSpPr>
+          <p:spPr>
+            <a:xfrm>
+              <a:off x="8850587" y="1755228"/>
+              <a:ext cx="331578" cy="370334"/>
+            </a:xfrm>
+            <a:custGeom>
+              <a:avLst/>
+              <a:gdLst>
+                <a:gd name="connsiteX0" fmla="*/ 410180 w 410206"/>
+                <a:gd name="connsiteY0" fmla="*/ 60960 h 458152"/>
+                <a:gd name="connsiteX1" fmla="*/ 410180 w 410206"/>
+                <a:gd name="connsiteY1" fmla="*/ 60960 h 458152"/>
+                <a:gd name="connsiteX2" fmla="*/ 409235 w 410206"/>
+                <a:gd name="connsiteY2" fmla="*/ 58103 h 458152"/>
+                <a:gd name="connsiteX3" fmla="*/ 205090 w 410206"/>
+                <a:gd name="connsiteY3" fmla="*/ 0 h 458152"/>
+                <a:gd name="connsiteX4" fmla="*/ 945 w 410206"/>
+                <a:gd name="connsiteY4" fmla="*/ 59055 h 458152"/>
+                <a:gd name="connsiteX5" fmla="*/ 0 w 410206"/>
+                <a:gd name="connsiteY5" fmla="*/ 60960 h 458152"/>
+                <a:gd name="connsiteX6" fmla="*/ 0 w 410206"/>
+                <a:gd name="connsiteY6" fmla="*/ 60960 h 458152"/>
+                <a:gd name="connsiteX7" fmla="*/ 0 w 410206"/>
+                <a:gd name="connsiteY7" fmla="*/ 390525 h 458152"/>
+                <a:gd name="connsiteX8" fmla="*/ 205090 w 410206"/>
+                <a:gd name="connsiteY8" fmla="*/ 458153 h 458152"/>
+                <a:gd name="connsiteX9" fmla="*/ 410180 w 410206"/>
+                <a:gd name="connsiteY9" fmla="*/ 390525 h 458152"/>
+                <a:gd name="connsiteX10" fmla="*/ 410180 w 410206"/>
+                <a:gd name="connsiteY10" fmla="*/ 60960 h 458152"/>
+                <a:gd name="connsiteX11" fmla="*/ 205090 w 410206"/>
+                <a:gd name="connsiteY11" fmla="*/ 329565 h 458152"/>
+                <a:gd name="connsiteX12" fmla="*/ 18902 w 410206"/>
+                <a:gd name="connsiteY12" fmla="*/ 280988 h 458152"/>
+                <a:gd name="connsiteX13" fmla="*/ 18902 w 410206"/>
+                <a:gd name="connsiteY13" fmla="*/ 205740 h 458152"/>
+                <a:gd name="connsiteX14" fmla="*/ 205090 w 410206"/>
+                <a:gd name="connsiteY14" fmla="*/ 239078 h 458152"/>
+                <a:gd name="connsiteX15" fmla="*/ 391278 w 410206"/>
+                <a:gd name="connsiteY15" fmla="*/ 205740 h 458152"/>
+                <a:gd name="connsiteX16" fmla="*/ 391278 w 410206"/>
+                <a:gd name="connsiteY16" fmla="*/ 280988 h 458152"/>
+                <a:gd name="connsiteX17" fmla="*/ 205090 w 410206"/>
+                <a:gd name="connsiteY17" fmla="*/ 329565 h 458152"/>
+                <a:gd name="connsiteX18" fmla="*/ 205090 w 410206"/>
+                <a:gd name="connsiteY18" fmla="*/ 220028 h 458152"/>
+                <a:gd name="connsiteX19" fmla="*/ 18902 w 410206"/>
+                <a:gd name="connsiteY19" fmla="*/ 171450 h 458152"/>
+                <a:gd name="connsiteX20" fmla="*/ 18902 w 410206"/>
+                <a:gd name="connsiteY20" fmla="*/ 93345 h 458152"/>
+                <a:gd name="connsiteX21" fmla="*/ 205090 w 410206"/>
+                <a:gd name="connsiteY21" fmla="*/ 129540 h 458152"/>
+                <a:gd name="connsiteX22" fmla="*/ 391278 w 410206"/>
+                <a:gd name="connsiteY22" fmla="*/ 94298 h 458152"/>
+                <a:gd name="connsiteX23" fmla="*/ 391278 w 410206"/>
+                <a:gd name="connsiteY23" fmla="*/ 172403 h 458152"/>
+                <a:gd name="connsiteX24" fmla="*/ 205090 w 410206"/>
+                <a:gd name="connsiteY24" fmla="*/ 220028 h 458152"/>
+                <a:gd name="connsiteX25" fmla="*/ 205090 w 410206"/>
+                <a:gd name="connsiteY25" fmla="*/ 20003 h 458152"/>
+                <a:gd name="connsiteX26" fmla="*/ 391278 w 410206"/>
+                <a:gd name="connsiteY26" fmla="*/ 65723 h 458152"/>
+                <a:gd name="connsiteX27" fmla="*/ 205090 w 410206"/>
+                <a:gd name="connsiteY27" fmla="*/ 110490 h 458152"/>
+                <a:gd name="connsiteX28" fmla="*/ 18902 w 410206"/>
+                <a:gd name="connsiteY28" fmla="*/ 64770 h 458152"/>
+                <a:gd name="connsiteX29" fmla="*/ 205090 w 410206"/>
+                <a:gd name="connsiteY29" fmla="*/ 20003 h 458152"/>
+                <a:gd name="connsiteX30" fmla="*/ 205090 w 410206"/>
+                <a:gd name="connsiteY30" fmla="*/ 439103 h 458152"/>
+                <a:gd name="connsiteX31" fmla="*/ 18902 w 410206"/>
+                <a:gd name="connsiteY31" fmla="*/ 390525 h 458152"/>
+                <a:gd name="connsiteX32" fmla="*/ 18902 w 410206"/>
+                <a:gd name="connsiteY32" fmla="*/ 315278 h 458152"/>
+                <a:gd name="connsiteX33" fmla="*/ 205090 w 410206"/>
+                <a:gd name="connsiteY33" fmla="*/ 348615 h 458152"/>
+                <a:gd name="connsiteX34" fmla="*/ 391278 w 410206"/>
+                <a:gd name="connsiteY34" fmla="*/ 315278 h 458152"/>
+                <a:gd name="connsiteX35" fmla="*/ 391278 w 410206"/>
+                <a:gd name="connsiteY35" fmla="*/ 390525 h 458152"/>
+                <a:gd name="connsiteX36" fmla="*/ 205090 w 410206"/>
+                <a:gd name="connsiteY36" fmla="*/ 439103 h 458152"/>
+              </a:gdLst>
+              <a:ahLst/>
+              <a:cxnLst>
+                <a:cxn ang="0">
+                  <a:pos x="connsiteX0" y="connsiteY0"/>
+                </a:cxn>
+                <a:cxn ang="0">
+                  <a:pos x="connsiteX1" y="connsiteY1"/>
+                </a:cxn>
+                <a:cxn ang="0">
+                  <a:pos x="connsiteX2" y="connsiteY2"/>
+                </a:cxn>
+                <a:cxn ang="0">
+                  <a:pos x="connsiteX3" y="connsiteY3"/>
+                </a:cxn>
+                <a:cxn ang="0">
+                  <a:pos x="connsiteX4" y="connsiteY4"/>
+                </a:cxn>
+                <a:cxn ang="0">
+                  <a:pos x="connsiteX5" y="connsiteY5"/>
+                </a:cxn>
+                <a:cxn ang="0">
+                  <a:pos x="connsiteX6" y="connsiteY6"/>
+                </a:cxn>
+                <a:cxn ang="0">
+                  <a:pos x="connsiteX7" y="connsiteY7"/>
+                </a:cxn>
+                <a:cxn ang="0">
+                  <a:pos x="connsiteX8" y="connsiteY8"/>
+                </a:cxn>
+                <a:cxn ang="0">
+                  <a:pos x="connsiteX9" y="connsiteY9"/>
+                </a:cxn>
+                <a:cxn ang="0">
+                  <a:pos x="connsiteX10" y="connsiteY10"/>
+                </a:cxn>
+                <a:cxn ang="0">
+                  <a:pos x="connsiteX11" y="connsiteY11"/>
+                </a:cxn>
+                <a:cxn ang="0">
+                  <a:pos x="connsiteX12" y="connsiteY12"/>
+                </a:cxn>
+                <a:cxn ang="0">
+                  <a:pos x="connsiteX13" y="connsiteY13"/>
+                </a:cxn>
+                <a:cxn ang="0">
+                  <a:pos x="connsiteX14" y="connsiteY14"/>
+                </a:cxn>
+                <a:cxn ang="0">
+                  <a:pos x="connsiteX15" y="connsiteY15"/>
+                </a:cxn>
+                <a:cxn ang="0">
+                  <a:pos x="connsiteX16" y="connsiteY16"/>
+                </a:cxn>
+                <a:cxn ang="0">
+                  <a:pos x="connsiteX17" y="connsiteY17"/>
+                </a:cxn>
+                <a:cxn ang="0">
+                  <a:pos x="connsiteX18" y="connsiteY18"/>
+                </a:cxn>
+                <a:cxn ang="0">
+                  <a:pos x="connsiteX19" y="connsiteY19"/>
+                </a:cxn>
+                <a:cxn ang="0">
+                  <a:pos x="connsiteX20" y="connsiteY20"/>
+                </a:cxn>
+                <a:cxn ang="0">
+                  <a:pos x="connsiteX21" y="connsiteY21"/>
+                </a:cxn>
+                <a:cxn ang="0">
+                  <a:pos x="connsiteX22" y="connsiteY22"/>
+                </a:cxn>
+                <a:cxn ang="0">
+                  <a:pos x="connsiteX23" y="connsiteY23"/>
+                </a:cxn>
+                <a:cxn ang="0">
+                  <a:pos x="connsiteX24" y="connsiteY24"/>
+                </a:cxn>
+                <a:cxn ang="0">
+                  <a:pos x="connsiteX25" y="connsiteY25"/>
+                </a:cxn>
+                <a:cxn ang="0">
+                  <a:pos x="connsiteX26" y="connsiteY26"/>
+                </a:cxn>
+                <a:cxn ang="0">
+                  <a:pos x="connsiteX27" y="connsiteY27"/>
+                </a:cxn>
+                <a:cxn ang="0">
+                  <a:pos x="connsiteX28" y="connsiteY28"/>
+                </a:cxn>
+                <a:cxn ang="0">
+                  <a:pos x="connsiteX29" y="connsiteY29"/>
+                </a:cxn>
+                <a:cxn ang="0">
+                  <a:pos x="connsiteX30" y="connsiteY30"/>
+                </a:cxn>
+                <a:cxn ang="0">
+                  <a:pos x="connsiteX31" y="connsiteY31"/>
+                </a:cxn>
+                <a:cxn ang="0">
+                  <a:pos x="connsiteX32" y="connsiteY32"/>
+                </a:cxn>
+                <a:cxn ang="0">
+                  <a:pos x="connsiteX33" y="connsiteY33"/>
+                </a:cxn>
+                <a:cxn ang="0">
+                  <a:pos x="connsiteX34" y="connsiteY34"/>
+                </a:cxn>
+                <a:cxn ang="0">
+                  <a:pos x="connsiteX35" y="connsiteY35"/>
+                </a:cxn>
+                <a:cxn ang="0">
+                  <a:pos x="connsiteX36" y="connsiteY36"/>
+                </a:cxn>
+              </a:cxnLst>
+              <a:rect l="l" t="t" r="r" b="b"/>
+              <a:pathLst>
+                <a:path w="410206" h="458152">
+                  <a:moveTo>
+                    <a:pt x="410180" y="60960"/>
+                  </a:moveTo>
+                  <a:lnTo>
+                    <a:pt x="410180" y="60960"/>
+                  </a:lnTo>
+                  <a:cubicBezTo>
+                    <a:pt x="410309" y="59913"/>
+                    <a:pt x="409962" y="58863"/>
+                    <a:pt x="409235" y="58103"/>
+                  </a:cubicBezTo>
+                  <a:cubicBezTo>
+                    <a:pt x="399784" y="20003"/>
+                    <a:pt x="301492" y="0"/>
+                    <a:pt x="205090" y="0"/>
+                  </a:cubicBezTo>
+                  <a:cubicBezTo>
+                    <a:pt x="108688" y="0"/>
+                    <a:pt x="10396" y="20955"/>
+                    <a:pt x="945" y="59055"/>
+                  </a:cubicBezTo>
+                  <a:cubicBezTo>
+                    <a:pt x="945" y="60008"/>
+                    <a:pt x="945" y="60960"/>
+                    <a:pt x="0" y="60960"/>
+                  </a:cubicBezTo>
+                  <a:lnTo>
+                    <a:pt x="0" y="60960"/>
+                  </a:lnTo>
+                  <a:lnTo>
+                    <a:pt x="0" y="390525"/>
+                  </a:lnTo>
+                  <a:cubicBezTo>
+                    <a:pt x="0" y="445770"/>
+                    <a:pt x="111524" y="458153"/>
+                    <a:pt x="205090" y="458153"/>
+                  </a:cubicBezTo>
+                  <a:cubicBezTo>
+                    <a:pt x="298657" y="458153"/>
+                    <a:pt x="410180" y="446723"/>
+                    <a:pt x="410180" y="390525"/>
+                  </a:cubicBezTo>
+                  <a:lnTo>
+                    <a:pt x="410180" y="60960"/>
+                  </a:lnTo>
+                  <a:close/>
+                  <a:moveTo>
+                    <a:pt x="205090" y="329565"/>
+                  </a:moveTo>
+                  <a:cubicBezTo>
+                    <a:pt x="89786" y="329565"/>
+                    <a:pt x="18902" y="311468"/>
+                    <a:pt x="18902" y="280988"/>
+                  </a:cubicBezTo>
+                  <a:lnTo>
+                    <a:pt x="18902" y="205740"/>
+                  </a:lnTo>
+                  <a:cubicBezTo>
+                    <a:pt x="54817" y="232410"/>
+                    <a:pt x="135152" y="239078"/>
+                    <a:pt x="205090" y="239078"/>
+                  </a:cubicBezTo>
+                  <a:cubicBezTo>
+                    <a:pt x="275029" y="239078"/>
+                    <a:pt x="355364" y="232410"/>
+                    <a:pt x="391278" y="205740"/>
+                  </a:cubicBezTo>
+                  <a:lnTo>
+                    <a:pt x="391278" y="280988"/>
+                  </a:lnTo>
+                  <a:cubicBezTo>
+                    <a:pt x="391278" y="311468"/>
+                    <a:pt x="320394" y="329565"/>
+                    <a:pt x="205090" y="329565"/>
+                  </a:cubicBezTo>
+                  <a:close/>
+                  <a:moveTo>
+                    <a:pt x="205090" y="220028"/>
+                  </a:moveTo>
+                  <a:cubicBezTo>
+                    <a:pt x="89786" y="220028"/>
+                    <a:pt x="18902" y="201930"/>
+                    <a:pt x="18902" y="171450"/>
+                  </a:cubicBezTo>
+                  <a:lnTo>
+                    <a:pt x="18902" y="93345"/>
+                  </a:lnTo>
+                  <a:cubicBezTo>
+                    <a:pt x="52927" y="117158"/>
+                    <a:pt x="129481" y="129540"/>
+                    <a:pt x="205090" y="129540"/>
+                  </a:cubicBezTo>
+                  <a:cubicBezTo>
+                    <a:pt x="280700" y="129540"/>
+                    <a:pt x="357254" y="117158"/>
+                    <a:pt x="391278" y="94298"/>
+                  </a:cubicBezTo>
+                  <a:lnTo>
+                    <a:pt x="391278" y="172403"/>
+                  </a:lnTo>
+                  <a:cubicBezTo>
+                    <a:pt x="391278" y="201930"/>
+                    <a:pt x="320394" y="220028"/>
+                    <a:pt x="205090" y="220028"/>
+                  </a:cubicBezTo>
+                  <a:close/>
+                  <a:moveTo>
+                    <a:pt x="205090" y="20003"/>
+                  </a:moveTo>
+                  <a:cubicBezTo>
+                    <a:pt x="318504" y="20003"/>
+                    <a:pt x="391278" y="46673"/>
+                    <a:pt x="391278" y="65723"/>
+                  </a:cubicBezTo>
+                  <a:cubicBezTo>
+                    <a:pt x="391278" y="84773"/>
+                    <a:pt x="318504" y="110490"/>
+                    <a:pt x="205090" y="110490"/>
+                  </a:cubicBezTo>
+                  <a:cubicBezTo>
+                    <a:pt x="91676" y="110490"/>
+                    <a:pt x="18902" y="83820"/>
+                    <a:pt x="18902" y="64770"/>
+                  </a:cubicBezTo>
+                  <a:cubicBezTo>
+                    <a:pt x="18902" y="45720"/>
+                    <a:pt x="91676" y="20003"/>
+                    <a:pt x="205090" y="20003"/>
+                  </a:cubicBezTo>
+                  <a:close/>
+                  <a:moveTo>
+                    <a:pt x="205090" y="439103"/>
+                  </a:moveTo>
+                  <a:cubicBezTo>
+                    <a:pt x="89786" y="439103"/>
+                    <a:pt x="18902" y="421005"/>
+                    <a:pt x="18902" y="390525"/>
+                  </a:cubicBezTo>
+                  <a:lnTo>
+                    <a:pt x="18902" y="315278"/>
+                  </a:lnTo>
+                  <a:cubicBezTo>
+                    <a:pt x="54817" y="341948"/>
+                    <a:pt x="135152" y="348615"/>
+                    <a:pt x="205090" y="348615"/>
+                  </a:cubicBezTo>
+                  <a:cubicBezTo>
+                    <a:pt x="275029" y="348615"/>
+                    <a:pt x="355364" y="341948"/>
+                    <a:pt x="391278" y="315278"/>
+                  </a:cubicBezTo>
+                  <a:lnTo>
+                    <a:pt x="391278" y="390525"/>
+                  </a:lnTo>
+                  <a:cubicBezTo>
+                    <a:pt x="391278" y="421005"/>
+                    <a:pt x="320394" y="439103"/>
+                    <a:pt x="205090" y="439103"/>
+                  </a:cubicBezTo>
+                  <a:close/>
+                </a:path>
+              </a:pathLst>
+            </a:custGeom>
+            <a:grpFill/>
             <a:ln w="12700" cap="flat">
               <a:noFill/>
               <a:prstDash val="solid"/>
